--- a/Manual Testing By Gunwant.pptx
+++ b/Manual Testing By Gunwant.pptx
@@ -261,7 +261,7 @@
           <a:p>
             <a:fld id="{448E3E4D-35B3-4D71-B8B1-D4EDA5F40A02}" type="datetimeFigureOut">
               <a:rPr lang="en-US" smtClean="0"/>
-              <a:t>2/15/2023</a:t>
+              <a:t>2/18/2023</a:t>
             </a:fld>
             <a:endParaRPr lang="en-US"/>
           </a:p>
@@ -922,7 +922,7 @@
           <a:p>
             <a:fld id="{D788432A-2C4D-4FB7-86B9-96613B9D9119}" type="datetime1">
               <a:rPr lang="en-US" smtClean="0"/>
-              <a:t>2/15/2023</a:t>
+              <a:t>2/18/2023</a:t>
             </a:fld>
             <a:endParaRPr lang="en-US"/>
           </a:p>
@@ -1133,7 +1133,7 @@
           <a:p>
             <a:fld id="{22C28A00-E7E4-4269-998B-6BD1EEA32D65}" type="datetime1">
               <a:rPr lang="en-US" smtClean="0"/>
-              <a:t>2/15/2023</a:t>
+              <a:t>2/18/2023</a:t>
             </a:fld>
             <a:endParaRPr lang="en-US"/>
           </a:p>
@@ -1392,7 +1392,7 @@
           <a:p>
             <a:fld id="{D42B8A2C-8EEE-45E8-AD48-B2E51ACBB438}" type="datetime1">
               <a:rPr lang="en-US" smtClean="0"/>
-              <a:t>2/15/2023</a:t>
+              <a:t>2/18/2023</a:t>
             </a:fld>
             <a:endParaRPr lang="en-US"/>
           </a:p>
@@ -1565,7 +1565,7 @@
           <a:p>
             <a:fld id="{31C679A3-1DD2-483C-8A90-F94645ADCD77}" type="datetime1">
               <a:rPr lang="en-US" smtClean="0"/>
-              <a:t>2/15/2023</a:t>
+              <a:t>2/18/2023</a:t>
             </a:fld>
             <a:endParaRPr lang="en-US"/>
           </a:p>
@@ -1911,7 +1911,7 @@
           <a:p>
             <a:fld id="{E6E206A8-15AC-4B9B-834B-5BE7F9292C67}" type="datetime1">
               <a:rPr lang="en-US" smtClean="0"/>
-              <a:t>2/15/2023</a:t>
+              <a:t>2/18/2023</a:t>
             </a:fld>
             <a:endParaRPr lang="en-US"/>
           </a:p>
@@ -2189,7 +2189,7 @@
           <a:p>
             <a:fld id="{39CD64CC-17FE-4BCD-A551-A498CF8DBFBD}" type="datetime1">
               <a:rPr lang="en-US" smtClean="0"/>
-              <a:t>2/15/2023</a:t>
+              <a:t>2/18/2023</a:t>
             </a:fld>
             <a:endParaRPr lang="en-US"/>
           </a:p>
@@ -2571,7 +2571,7 @@
           <a:p>
             <a:fld id="{D550F2DC-7AF6-40B2-A299-18A34405DA95}" type="datetime1">
               <a:rPr lang="en-US" smtClean="0"/>
-              <a:t>2/15/2023</a:t>
+              <a:t>2/18/2023</a:t>
             </a:fld>
             <a:endParaRPr lang="en-US"/>
           </a:p>
@@ -2692,7 +2692,7 @@
           <a:p>
             <a:fld id="{F9FCF7D2-EDE6-4F63-AB07-E939F9C4116E}" type="datetime1">
               <a:rPr lang="en-US" smtClean="0"/>
-              <a:t>2/15/2023</a:t>
+              <a:t>2/18/2023</a:t>
             </a:fld>
             <a:endParaRPr lang="en-US"/>
           </a:p>
@@ -2866,7 +2866,7 @@
           <a:p>
             <a:fld id="{384DE238-4373-4630-A181-A3C5DE987C0C}" type="datetime1">
               <a:rPr lang="en-US" smtClean="0"/>
-              <a:t>2/15/2023</a:t>
+              <a:t>2/18/2023</a:t>
             </a:fld>
             <a:endParaRPr lang="en-US"/>
           </a:p>
@@ -3223,7 +3223,7 @@
           <a:p>
             <a:fld id="{9F30FAA4-8332-4B43-A822-1C87C3ADF7B9}" type="datetime1">
               <a:rPr lang="en-US" smtClean="0"/>
-              <a:t>2/15/2023</a:t>
+              <a:t>2/18/2023</a:t>
             </a:fld>
             <a:endParaRPr lang="en-US"/>
           </a:p>
@@ -3603,7 +3603,7 @@
           <a:p>
             <a:fld id="{83A19387-F9BE-4CA2-891D-F5C71FB9F8B7}" type="datetime1">
               <a:rPr lang="en-US" smtClean="0"/>
-              <a:t>2/15/2023</a:t>
+              <a:t>2/18/2023</a:t>
             </a:fld>
             <a:endParaRPr lang="en-US"/>
           </a:p>
@@ -3893,7 +3893,7 @@
           <a:p>
             <a:fld id="{179DD1E4-A281-4B61-A94D-515BA79EC171}" type="datetime1">
               <a:rPr lang="en-US" smtClean="0"/>
-              <a:t>2/15/2023</a:t>
+              <a:t>2/18/2023</a:t>
             </a:fld>
             <a:endParaRPr lang="en-US"/>
           </a:p>
@@ -4474,8 +4474,13 @@
           <a:p>
             <a:r>
               <a:rPr lang="en-US" dirty="0"/>
-              <a:t>Manual + Automation java+ selenium with live project </a:t>
-            </a:r>
+              <a:t>Manual + Automation java+ selenium with live </a:t>
+            </a:r>
+            <a:r>
+              <a:rPr lang="en-US"/>
+              <a:t>project new</a:t>
+            </a:r>
+            <a:endParaRPr lang="en-US" dirty="0"/>
           </a:p>
           <a:p>
             <a:endParaRPr lang="en-US" dirty="0"/>

--- a/Manual Testing By Gunwant.pptx
+++ b/Manual Testing By Gunwant.pptx
@@ -4474,13 +4474,8 @@
           <a:p>
             <a:r>
               <a:rPr lang="en-US" dirty="0"/>
-              <a:t>Manual + Automation java+ selenium with live </a:t>
-            </a:r>
-            <a:r>
-              <a:rPr lang="en-US"/>
-              <a:t>project new</a:t>
-            </a:r>
-            <a:endParaRPr lang="en-US" dirty="0"/>
+              <a:t>Manual + Automation java+ selenium with live project</a:t>
+            </a:r>
           </a:p>
           <a:p>
             <a:endParaRPr lang="en-US" dirty="0"/>
